--- a/NLP/Treebanks.pptx
+++ b/NLP/Treebanks.pptx
@@ -203,9 +203,9 @@
   <inkml:trace contextRef="#ctx0" brushRef="#br0" timeOffset="242.43">10774 1947 1057 0,'0'0'41'16,"0"0"118"-16,0 0-86 15,151-24-43-15,-43 8-22 0,8 4-8 16,-10 4-14-1,-18 2-48-15,-14 5-52 0,-24-1-100 16,-19-2-100-16,-22-5-174 16</inkml:trace>
   <inkml:trace contextRef="#ctx0" brushRef="#br0" timeOffset="469.17">11173 1710 92 0,'0'0'582'0,"0"0"-448"0,0 0 70 16,0 0-77-1,0 0-99-15,0 0-28 0,106-34 17 16,-50 51 4-16,-2 9 0 16,-11 6-8-16,-7 8-5 15,-12 6-8-15,-9 4-2 16,-12 1 1-16,-3 0-8 16,-12-3 9-16,-12-4 1 15,-4-6-1-15,4-5-27 16,5-11-101-16,5-9-120 15,8-13-220-15</inkml:trace>
   <inkml:trace contextRef="#ctx0" brushRef="#br0" timeOffset="1010.64">12141 1662 982 0,'0'0'68'0,"0"0"12"16,0 0-34-1,15 114 84-15,3-56-70 0,1 2-43 16,-7-8-10-16,-5-10-5 16,-7-8-1-1,0-13 1-15,0-10 0 16,-4-6-1-16,3-5 3 15,-1-16 16-15,2-24 8 0,0-17-21 16,0-12-7 0,12 0-3-16,3 10 1 0,0 19-17 15,-3 17 7-15,-3 13 5 16,0 10 4-16,3 0-7 16,4 9-4-16,7 15 10 0,6 6 0 15,4 6 4 1,2 1 3-16,3-2 6 15,-2-4-4-15,3-3 0 0,-2-6-4 16,2-2 3-16,-2-7-2 16,-4-6 3-1,-2-5-2-15,-5-2 3 0,-7-10 10 16,2-17 4-16,-5-14 15 16,-1-11-16-1,-6-7-18-15,-1 1 0 0,-8 7-2 16,0 12-5-1,0 12-18-15,-6 10-33 0,-5 8-19 16,1 9-90 0,0 0-132-16,7 4-206 0</inkml:trace>
-  <inkml:trace contextRef="#ctx0" brushRef="#br0" timeOffset="1225.35">13153 1626 917 0,'0'0'179'16,"0"0"-24"-16,0 0-52 0,0 0-35 15,0 0-28-15,58 97 30 16,-27-48-26-16,-7 5-35 16,-8 2-9-16,-7-1-17 15,-9-3-41-15,0-5-35 16,-1-6-65-16,-10-16-196 15,4-16-274-15</inkml:trace>
+  <inkml:trace contextRef="#ctx0" brushRef="#br0" timeOffset="1225.34">13153 1626 917 0,'0'0'179'16,"0"0"-24"-16,0 0-52 0,0 0-35 15,0 0-28-15,58 97 30 16,-27-48-26-16,-7 5-35 16,-8 2-9-16,-7-1-17 15,-9-3-41-15,0-5-35 16,-1-6-65-16,-10-16-196 15,4-16-274-15</inkml:trace>
   <inkml:trace contextRef="#ctx0" brushRef="#br0" timeOffset="1461.62">13172 1608 764 0,'0'0'284'0,"0"0"-130"15,0 0-4-15,62-84-126 16,-2 70-24-16,3 11-6 16,-7 3 3-16,-12 11-26 15,-14 15-23-15,-15 6-1 0,-14 5 13 16,-1-1 5-16,-25-2 23 16,-12-3 12-16,-5-4-30 15,-2-7-36 1,4-8-63-16,7-7-48 0,14-5-94 15</inkml:trace>
-  <inkml:trace contextRef="#ctx0" brushRef="#br0" timeOffset="1824.69">14421 1658 1057 0,'0'0'124'0,"0"0"-60"15,0 0-44-15,0 0-13 16,34 100 69-16,-4-49-21 16,0-3-35-16,-5-6-12 15,-4-8-8-15,-6-11 3 16,-3-11 1-16,-5-6 0 0,2-6 2 15,9-4 16-15,7-23 45 16,8-14-40-16,3-14-18 16,3-6-8-16,-3-5-1 15,-2 2-8-15,-4 7-18 16,-8 9-24-16,-7 7-13 16,-8 9-46-1,-5 13-46-15,3 4-391 0,5 6 93 16</inkml:trace>
+  <inkml:trace contextRef="#ctx0" brushRef="#br0" timeOffset="1824.68">14421 1658 1057 0,'0'0'124'0,"0"0"-60"15,0 0-44-15,0 0-13 16,34 100 69-16,-4-49-21 16,0-3-35-16,-5-6-12 15,-4-8-8-15,-6-11 3 16,-3-11 1-16,-5-6 0 0,2-6 2 15,9-4 16-15,7-23 45 16,8-14-40-16,3-14-18 16,3-6-8-16,-3-5-1 15,-2 2-8-15,-4 7-18 16,-8 9-24-16,-7 7-13 16,-8 9-46-1,-5 13-46-15,3 4-391 0,5 6 93 16</inkml:trace>
   <inkml:trace contextRef="#ctx0" brushRef="#br0" timeOffset="2021.77">15161 1510 800 0,'0'0'84'0,"0"0"58"15,0 0-21-15,33 83-4 16,-8-35-25-16,0 4-56 15,-10 1-29-15,-5 3-7 16,-10-4-2-16,0-3-23 16,0-5-35-16,-10-6-76 15,0-11-137-15,5-14-286 0</inkml:trace>
   <inkml:trace contextRef="#ctx0" brushRef="#br0" timeOffset="2293.21">15298 1504 856 0,'0'0'148'16,"0"0"57"-16,88-68-136 16,-33 56-46-16,2 7-20 15,-8 5-1-15,-6 9-4 0,-11 15-2 31,-13 11-14-31,-16 5-26 0,-3-1 0 16,-22-1 24 0,-17-7 13-16,-10-6-3 0,-8-8-4 15,-8-7-24-15,2-7-55 16,10-3 0-16,15 0 14 16,27-4-188-16</inkml:trace>
   <inkml:trace contextRef="#ctx0" brushRef="#br0" timeOffset="2473.14">16421 1930 1373 0,'0'0'85'0,"0"0"-67"16,0 0-18-16,0 0-128 15,0 0-919-15</inkml:trace>
@@ -241,7 +241,7 @@
   <inkml:trace contextRef="#ctx0" brushRef="#br0">11964 2142 461 0,'0'0'66'0,"0"0"57"16,0 0 16-16,4-80-50 16,-3 60-13-16,1 0 0 15,-2 4-25-15,0 5-2 0,-7 4-7 16,-16 3-22 0,-13 4-20-16,-18 5-6 0,-5 19 2 15,1 7-2-15,14 2 3 16,17-5 1-1,14-2-3-15,13-4-3 0,0-1 3 16,21 3 2-16,18 0 3 16,8 2 8-16,3 4 1 15,8 3-5-15,-1 5-2 16,-4 2-1-16,-5 1 1 16,-9 1-2-1,-18 0 0-15,-14-1-4 0,-7 0 4 16,-37 0 3-16,-24 2 3 15,-17-6 4-15,-5-4-5 0,8-9-1 16,17-9-1-16,23-8-3 16,18-7-16-16,17-5-26 15,3-24-31-15,37-13-330 16</inkml:trace>
   <inkml:trace contextRef="#ctx0" brushRef="#br0" timeOffset="312.8">13062 2549 969 0,'0'0'82'16,"0"0"56"-1,0 0-43-15,0 0-22 16,91-14-40-16,-5 3-22 0,19 0 4 0,6 4-8 16,-1 3-6-16,-6 1-1 15,-4 3-10 1,-11 0-17 0,-5 0 21-16,-13 0-41 0,-11 0-31 0,-12 0-16 15,-14 0-49 1,-13-4-26-16,-12-6-78 0,-9-2-4 15</inkml:trace>
   <inkml:trace contextRef="#ctx0" brushRef="#br0" timeOffset="560.66">13863 2317 452 0,'0'0'185'0,"0"0"44"16,0 0-60-16,0 0-36 0,0 0-66 15,0 0-31-15,74-36-18 16,-20 36-11-16,10 19 7 16,3 9-1-16,-11 3-7 15,-15 3 4-15,-18 1-10 16,-16 2-16-16,-7 1 4 16,-15 0-1-16,-21-2 3 15,-13-3-5-15,-8-5 8 16,-2-2-26-16,-1-5-39 15,5-10-143-15,13-9-294 0</inkml:trace>
-  <inkml:trace contextRef="#ctx0" brushRef="#br0" timeOffset="1366.67">14855 2218 440 0,'0'0'394'15,"0"0"-238"1,0 0 15-16,0 0-84 0,0 0-69 15,0 0-18 1,13 37 0-16,2 25 6 0,-2 7 21 16,-10-3-11-16,-3-8 0 15,0-9 5-15,-4-10-10 16,-6-11-2-16,5-10-6 16,2-9 1-16,3-7-2 0,0-2 10 15,0-8 13-15,0-23 43 16,6-17-50-1,7-17-18-15,1-7 0 0,1 4-3 16,-3 11-5-16,-3 15 2 16,-4 23 6-16,-1 9 0 15,-3 9 0-15,1 1-9 16,5 8-16-16,5 19-4 16,9 11 28-16,7 7 1 15,4 2 2-15,4-2-2 16,1-3 2-16,1-4 2 0,-2-5-3 15,-3-6-1 1,-5-5 0-16,-5-8 0 16,-7-6 1-16,-7-5 0 15,-7-3 2-15,5 0 11 0,2-17 20 16,5-13-12-16,2-17-20 16,-2-14-1-16,-3-6-1 15,-3-1-5-15,-2 10-4 16,-5 16-1-1,-1 18-10-15,0 12-5 0,0 9-30 16,0 3-43-16,0 0-76 0,-7 9-50 16,-1 5-220-16,8-1 220 31</inkml:trace>
+  <inkml:trace contextRef="#ctx0" brushRef="#br0" timeOffset="1366.66">14855 2218 440 0,'0'0'394'15,"0"0"-238"1,0 0 15-16,0 0-84 0,0 0-69 15,0 0-18 1,13 37 0-16,2 25 6 0,-2 7 21 16,-10-3-11-16,-3-8 0 15,0-9 5-15,-4-10-10 16,-6-11-2-16,5-10-6 16,2-9 1-16,3-7-2 0,0-2 10 15,0-8 13-15,0-23 43 16,6-17-50-1,7-17-18-15,1-7 0 0,1 4-3 16,-3 11-5-16,-3 15 2 16,-4 23 6-16,-1 9 0 15,-3 9 0-15,1 1-9 16,5 8-16-16,5 19-4 16,9 11 28-16,7 7 1 15,4 2 2-15,4-2-2 16,1-3 2-16,1-4 2 0,-2-5-3 15,-3-6-1 1,-5-5 0-16,-5-8 0 16,-7-6 1-16,-7-5 0 15,-7-3 2-15,5 0 11 0,2-17 20 16,5-13-12-16,2-17-20 16,-2-14-1-16,-3-6-1 15,-3-1-5-15,-2 10-4 16,-5 16-1-1,-1 18-10-15,0 12-5 0,0 9-30 16,0 3-43-16,0 0-76 0,-7 9-50 16,-1 5-220-16,8-1 220 31</inkml:trace>
   <inkml:trace contextRef="#ctx0" brushRef="#br0" timeOffset="1602.86">15665 2198 824 0,'0'0'133'0,"0"0"-65"16,0 0 8-16,0 0 14 16,13 72 25-16,8-25-20 15,-3 3-60-15,-3 4-30 16,-4-2-1-16,-4-1-4 15,-3-7-4-15,-2-6-26 0,-2-6-42 16,0-5-70-16,0-11-133 16,0-16-142-16</inkml:trace>
   <inkml:trace contextRef="#ctx0" brushRef="#br0" timeOffset="1884.95">15730 2159 657 0,'0'0'159'0,"0"0"11"16,-23-83-33-16,23 60-43 16,3 5-50-16,24 2-32 15,11 7-12-15,15 9-7 16,0 0 5-16,-5 15-15 16,-10 9 14-16,-16 5-17 15,-13 4 2-15,-9-1-3 16,-5 1 9-16,-19-2 3 0,-14-3 9 15,-9-3 3-15,-6-4-3 16,-3-5-9-16,11-7-1 16,13-7-42-1,17-2-61-15,15-15-114 0,13-14-507 16</inkml:trace>
   <inkml:trace contextRef="#ctx0" brushRef="#br0" timeOffset="2264.42">16654 2149 921 0,'0'0'112'15,"0"0"-24"-15,0 0-47 0,0 0 11 16,94 120 0-16,-69-63-29 16,-5-3-13-16,-4-2 8 15,-4-6-5-15,-4-11-12 16,0-9 1-16,0-8-1 0,-3-10 0 16,-1-5 5-16,1-3 13 15,5-6 71 1,8-21 28-16,7-15-68 15,5-14-42-15,1-9-8 16,-4-1-4-16,-3 8-14 0,-7 15-12 16,-7 14-26-16,-6 12 2 0,-4 9-33 15,0 2-65-15,6 0-121 16,3 2-321 0</inkml:trace>
@@ -5896,8 +5896,8 @@
           </a:p>
         </p:txBody>
       </p:sp>
-      <mc:AlternateContent xmlns:mc="http://schemas.openxmlformats.org/markup-compatibility/2006">
-        <mc:Choice xmlns:p14="http://schemas.microsoft.com/office/powerpoint/2010/main" Requires="p14">
+      <mc:AlternateContent xmlns:mc="http://schemas.openxmlformats.org/markup-compatibility/2006" xmlns:p14="http://schemas.microsoft.com/office/powerpoint/2010/main">
+        <mc:Choice Requires="p14">
           <p:contentPart p14:bwMode="auto" r:id="rId2">
             <p14:nvContentPartPr>
               <p14:cNvPr id="4" name="Ink 3">
@@ -5916,7 +5916,7 @@
             </p14:xfrm>
           </p:contentPart>
         </mc:Choice>
-        <mc:Fallback>
+        <mc:Fallback xmlns="">
           <p:pic>
             <p:nvPicPr>
               <p:cNvPr id="4" name="Ink 3">
@@ -6914,8 +6914,8 @@
           </a:prstGeom>
         </p:spPr>
       </p:pic>
-      <mc:AlternateContent xmlns:mc="http://schemas.openxmlformats.org/markup-compatibility/2006">
-        <mc:Choice xmlns:p14="http://schemas.microsoft.com/office/powerpoint/2010/main" Requires="p14">
+      <mc:AlternateContent xmlns:mc="http://schemas.openxmlformats.org/markup-compatibility/2006" xmlns:p14="http://schemas.microsoft.com/office/powerpoint/2010/main">
+        <mc:Choice Requires="p14">
           <p:contentPart p14:bwMode="auto" r:id="rId3">
             <p14:nvContentPartPr>
               <p14:cNvPr id="4" name="Ink 3">
@@ -6934,7 +6934,7 @@
             </p14:xfrm>
           </p:contentPart>
         </mc:Choice>
-        <mc:Fallback>
+        <mc:Fallback xmlns="">
           <p:pic>
             <p:nvPicPr>
               <p:cNvPr id="4" name="Ink 3">
@@ -7220,8 +7220,8 @@
           </a:p>
         </p:txBody>
       </p:sp>
-      <mc:AlternateContent xmlns:mc="http://schemas.openxmlformats.org/markup-compatibility/2006">
-        <mc:Choice xmlns:p14="http://schemas.microsoft.com/office/powerpoint/2010/main" Requires="p14">
+      <mc:AlternateContent xmlns:mc="http://schemas.openxmlformats.org/markup-compatibility/2006" xmlns:p14="http://schemas.microsoft.com/office/powerpoint/2010/main">
+        <mc:Choice Requires="p14">
           <p:contentPart p14:bwMode="auto" r:id="rId2">
             <p14:nvContentPartPr>
               <p14:cNvPr id="4" name="Ink 3">
@@ -7240,7 +7240,7 @@
             </p14:xfrm>
           </p:contentPart>
         </mc:Choice>
-        <mc:Fallback>
+        <mc:Fallback xmlns="">
           <p:pic>
             <p:nvPicPr>
               <p:cNvPr id="4" name="Ink 3">
